--- a/2019_Mentoring/5_weeks/멘토링_5주차.pptx
+++ b/2019_Mentoring/5_weeks/멘토링_5주차.pptx
@@ -307,7 +307,7 @@
                 </a:solidFill>
               </a:rPr>
               <a:pPr/>
-              <a:t>2019-05-13</a:t>
+              <a:t>2019-05-14</a:t>
             </a:fld>
             <a:endParaRPr lang="ko-KR" altLang="en-US">
               <a:solidFill>
@@ -497,7 +497,7 @@
                 </a:solidFill>
               </a:rPr>
               <a:pPr/>
-              <a:t>2019-05-13</a:t>
+              <a:t>2019-05-14</a:t>
             </a:fld>
             <a:endParaRPr lang="ko-KR" altLang="en-US">
               <a:solidFill>
@@ -697,7 +697,7 @@
                 </a:solidFill>
               </a:rPr>
               <a:pPr/>
-              <a:t>2019-05-13</a:t>
+              <a:t>2019-05-14</a:t>
             </a:fld>
             <a:endParaRPr lang="ko-KR" altLang="en-US">
               <a:solidFill>
@@ -887,7 +887,7 @@
                 </a:solidFill>
               </a:rPr>
               <a:pPr/>
-              <a:t>2019-05-13</a:t>
+              <a:t>2019-05-14</a:t>
             </a:fld>
             <a:endParaRPr lang="ko-KR" altLang="en-US">
               <a:solidFill>
@@ -1175,7 +1175,7 @@
                 </a:solidFill>
               </a:rPr>
               <a:pPr/>
-              <a:t>2019-05-13</a:t>
+              <a:t>2019-05-14</a:t>
             </a:fld>
             <a:endParaRPr lang="ko-KR" altLang="en-US">
               <a:solidFill>
@@ -1427,7 +1427,7 @@
                 </a:solidFill>
               </a:rPr>
               <a:pPr/>
-              <a:t>2019-05-13</a:t>
+              <a:t>2019-05-14</a:t>
             </a:fld>
             <a:endParaRPr lang="ko-KR" altLang="en-US">
               <a:solidFill>
@@ -1806,7 +1806,7 @@
                 </a:solidFill>
               </a:rPr>
               <a:pPr/>
-              <a:t>2019-05-13</a:t>
+              <a:t>2019-05-14</a:t>
             </a:fld>
             <a:endParaRPr lang="ko-KR" altLang="en-US">
               <a:solidFill>
@@ -1967,7 +1967,7 @@
                 </a:solidFill>
               </a:rPr>
               <a:pPr/>
-              <a:t>2019-05-13</a:t>
+              <a:t>2019-05-14</a:t>
             </a:fld>
             <a:endParaRPr lang="ko-KR" altLang="en-US">
               <a:solidFill>
@@ -2082,7 +2082,7 @@
                 </a:solidFill>
               </a:rPr>
               <a:pPr/>
-              <a:t>2019-05-13</a:t>
+              <a:t>2019-05-14</a:t>
             </a:fld>
             <a:endParaRPr lang="ko-KR" altLang="en-US">
               <a:solidFill>
@@ -2459,7 +2459,7 @@
                 </a:solidFill>
               </a:rPr>
               <a:pPr/>
-              <a:t>2019-05-13</a:t>
+              <a:t>2019-05-14</a:t>
             </a:fld>
             <a:endParaRPr lang="ko-KR" altLang="en-US">
               <a:solidFill>
@@ -2824,7 +2824,7 @@
             <a:fld id="{8F35366E-D432-43AC-B21B-98394E46B3B0}" type="datetimeFigureOut">
               <a:rPr lang="ko-KR" altLang="en-US" smtClean="0"/>
               <a:pPr/>
-              <a:t>2019-05-13</a:t>
+              <a:t>2019-05-14</a:t>
             </a:fld>
             <a:endParaRPr lang="ko-KR" altLang="en-US"/>
           </a:p>
@@ -3073,7 +3073,7 @@
                 </a:solidFill>
               </a:rPr>
               <a:pPr/>
-              <a:t>2019-05-13</a:t>
+              <a:t>2019-05-14</a:t>
             </a:fld>
             <a:endParaRPr lang="ko-KR" altLang="en-US">
               <a:solidFill>
@@ -3829,6 +3829,102 @@
           </a:extLst>
         </p:spPr>
       </p:pic>
+      <p:sp>
+        <p:nvSpPr>
+          <p:cNvPr id="2" name="직사각형 1"/>
+          <p:cNvSpPr/>
+          <p:nvPr/>
+        </p:nvSpPr>
+        <p:spPr>
+          <a:xfrm>
+            <a:off x="539552" y="2636912"/>
+            <a:ext cx="2448272" cy="288032"/>
+          </a:xfrm>
+          <a:prstGeom prst="rect">
+            <a:avLst/>
+          </a:prstGeom>
+        </p:spPr>
+        <p:style>
+          <a:lnRef idx="2">
+            <a:schemeClr val="accent1">
+              <a:shade val="50000"/>
+            </a:schemeClr>
+          </a:lnRef>
+          <a:fillRef idx="1">
+            <a:schemeClr val="accent1"/>
+          </a:fillRef>
+          <a:effectRef idx="0">
+            <a:schemeClr val="accent1"/>
+          </a:effectRef>
+          <a:fontRef idx="minor">
+            <a:schemeClr val="lt1"/>
+          </a:fontRef>
+        </p:style>
+        <p:txBody>
+          <a:bodyPr rtlCol="0" anchor="ctr"/>
+          <a:lstStyle/>
+          <a:p>
+            <a:pPr algn="ctr"/>
+            <a:r>
+              <a:rPr lang="en-US" altLang="ko-KR" smtClean="0"/>
+              <a:t>Input </a:t>
+            </a:r>
+            <a:r>
+              <a:rPr lang="ko-KR" altLang="en-US" dirty="0" smtClean="0"/>
+              <a:t>입력</a:t>
+            </a:r>
+            <a:endParaRPr lang="ko-KR" altLang="en-US" dirty="0"/>
+          </a:p>
+        </p:txBody>
+      </p:sp>
+      <p:sp>
+        <p:nvSpPr>
+          <p:cNvPr id="9" name="직사각형 8"/>
+          <p:cNvSpPr/>
+          <p:nvPr/>
+        </p:nvSpPr>
+        <p:spPr>
+          <a:xfrm>
+            <a:off x="573658" y="3058743"/>
+            <a:ext cx="2448272" cy="288032"/>
+          </a:xfrm>
+          <a:prstGeom prst="rect">
+            <a:avLst/>
+          </a:prstGeom>
+        </p:spPr>
+        <p:style>
+          <a:lnRef idx="2">
+            <a:schemeClr val="accent1">
+              <a:shade val="50000"/>
+            </a:schemeClr>
+          </a:lnRef>
+          <a:fillRef idx="1">
+            <a:schemeClr val="accent1"/>
+          </a:fillRef>
+          <a:effectRef idx="0">
+            <a:schemeClr val="accent1"/>
+          </a:effectRef>
+          <a:fontRef idx="minor">
+            <a:schemeClr val="lt1"/>
+          </a:fontRef>
+        </p:style>
+        <p:txBody>
+          <a:bodyPr rtlCol="0" anchor="ctr"/>
+          <a:lstStyle/>
+          <a:p>
+            <a:pPr algn="ctr"/>
+            <a:r>
+              <a:rPr lang="en-US" altLang="ko-KR" dirty="0" smtClean="0"/>
+              <a:t>Result</a:t>
+            </a:r>
+            <a:r>
+              <a:rPr lang="ko-KR" altLang="en-US" dirty="0" smtClean="0"/>
+              <a:t>값 추가</a:t>
+            </a:r>
+            <a:endParaRPr lang="ko-KR" altLang="en-US" dirty="0"/>
+          </a:p>
+        </p:txBody>
+      </p:sp>
     </p:spTree>
     <p:extLst>
       <p:ext uri="{BB962C8B-B14F-4D97-AF65-F5344CB8AC3E}">
@@ -3842,9 +3938,108 @@
   <p:timing>
     <p:tnLst>
       <p:par>
-        <p:cTn id="1" dur="indefinite" restart="never" nodeType="tmRoot"/>
+        <p:cTn id="1" dur="indefinite" restart="never" nodeType="tmRoot">
+          <p:childTnLst>
+            <p:seq concurrent="1" nextAc="seek">
+              <p:cTn id="2" dur="indefinite" nodeType="mainSeq">
+                <p:childTnLst>
+                  <p:par>
+                    <p:cTn id="3" fill="hold">
+                      <p:stCondLst>
+                        <p:cond delay="indefinite"/>
+                      </p:stCondLst>
+                      <p:childTnLst>
+                        <p:par>
+                          <p:cTn id="4" fill="hold">
+                            <p:stCondLst>
+                              <p:cond delay="0"/>
+                            </p:stCondLst>
+                            <p:childTnLst>
+                              <p:par>
+                                <p:cTn id="5" presetID="1" presetClass="entr" presetSubtype="0" fill="hold" grpId="0" nodeType="clickEffect">
+                                  <p:stCondLst>
+                                    <p:cond delay="0"/>
+                                  </p:stCondLst>
+                                  <p:childTnLst>
+                                    <p:set>
+                                      <p:cBhvr>
+                                        <p:cTn id="6" dur="1" fill="hold">
+                                          <p:stCondLst>
+                                            <p:cond delay="0"/>
+                                          </p:stCondLst>
+                                        </p:cTn>
+                                        <p:tgtEl>
+                                          <p:spTgt spid="2"/>
+                                        </p:tgtEl>
+                                        <p:attrNameLst>
+                                          <p:attrName>style.visibility</p:attrName>
+                                        </p:attrNameLst>
+                                      </p:cBhvr>
+                                      <p:to>
+                                        <p:strVal val="visible"/>
+                                      </p:to>
+                                    </p:set>
+                                  </p:childTnLst>
+                                </p:cTn>
+                              </p:par>
+                              <p:par>
+                                <p:cTn id="7" presetID="1" presetClass="entr" presetSubtype="0" fill="hold" grpId="0" nodeType="withEffect">
+                                  <p:stCondLst>
+                                    <p:cond delay="0"/>
+                                  </p:stCondLst>
+                                  <p:childTnLst>
+                                    <p:set>
+                                      <p:cBhvr>
+                                        <p:cTn id="8" dur="1" fill="hold">
+                                          <p:stCondLst>
+                                            <p:cond delay="0"/>
+                                          </p:stCondLst>
+                                        </p:cTn>
+                                        <p:tgtEl>
+                                          <p:spTgt spid="9"/>
+                                        </p:tgtEl>
+                                        <p:attrNameLst>
+                                          <p:attrName>style.visibility</p:attrName>
+                                        </p:attrNameLst>
+                                      </p:cBhvr>
+                                      <p:to>
+                                        <p:strVal val="visible"/>
+                                      </p:to>
+                                    </p:set>
+                                  </p:childTnLst>
+                                </p:cTn>
+                              </p:par>
+                            </p:childTnLst>
+                          </p:cTn>
+                        </p:par>
+                      </p:childTnLst>
+                    </p:cTn>
+                  </p:par>
+                </p:childTnLst>
+              </p:cTn>
+              <p:prevCondLst>
+                <p:cond evt="onPrev" delay="0">
+                  <p:tgtEl>
+                    <p:sldTgt/>
+                  </p:tgtEl>
+                </p:cond>
+              </p:prevCondLst>
+              <p:nextCondLst>
+                <p:cond evt="onNext" delay="0">
+                  <p:tgtEl>
+                    <p:sldTgt/>
+                  </p:tgtEl>
+                </p:cond>
+              </p:nextCondLst>
+            </p:seq>
+          </p:childTnLst>
+        </p:cTn>
       </p:par>
     </p:tnLst>
+    <p:bldLst>
+      <p:bldP spid="2" grpId="0" animBg="1"/>
+      <p:bldP spid="9" grpId="0" animBg="1"/>
+    </p:bldLst>
   </p:timing>
 </p:sld>
 </file>
@@ -3901,7 +4096,6 @@
               <a:rPr lang="en-US" altLang="ko-KR" sz="3200" dirty="0" smtClean="0"/>
               <a:t>.</a:t>
             </a:r>
-            <a:endParaRPr lang="en-US" altLang="ko-KR" sz="3200" dirty="0" smtClean="0"/>
           </a:p>
         </p:txBody>
       </p:sp>
@@ -4079,13 +4273,13 @@
       </p:sp>
       <p:sp>
         <p:nvSpPr>
-          <p:cNvPr id="8" name="직사각형 7"/>
+          <p:cNvPr id="9" name="직사각형 8"/>
           <p:cNvSpPr/>
           <p:nvPr/>
         </p:nvSpPr>
         <p:spPr>
           <a:xfrm>
-            <a:off x="507703" y="4184106"/>
+            <a:off x="522591" y="4019876"/>
             <a:ext cx="4386684" cy="469030"/>
           </a:xfrm>
           <a:prstGeom prst="rect">
@@ -4113,6 +4307,46 @@
           <a:lstStyle/>
           <a:p>
             <a:pPr algn="ctr"/>
+            <a:endParaRPr lang="ko-KR" altLang="en-US" dirty="0"/>
+          </a:p>
+        </p:txBody>
+      </p:sp>
+      <p:sp>
+        <p:nvSpPr>
+          <p:cNvPr id="10" name="직사각형 9"/>
+          <p:cNvSpPr/>
+          <p:nvPr/>
+        </p:nvSpPr>
+        <p:spPr>
+          <a:xfrm>
+            <a:off x="522591" y="4019876"/>
+            <a:ext cx="4386684" cy="469030"/>
+          </a:xfrm>
+          <a:prstGeom prst="rect">
+            <a:avLst/>
+          </a:prstGeom>
+        </p:spPr>
+        <p:style>
+          <a:lnRef idx="2">
+            <a:schemeClr val="accent1">
+              <a:shade val="50000"/>
+            </a:schemeClr>
+          </a:lnRef>
+          <a:fillRef idx="1">
+            <a:schemeClr val="accent1"/>
+          </a:fillRef>
+          <a:effectRef idx="0">
+            <a:schemeClr val="accent1"/>
+          </a:effectRef>
+          <a:fontRef idx="minor">
+            <a:schemeClr val="lt1"/>
+          </a:fontRef>
+        </p:style>
+        <p:txBody>
+          <a:bodyPr rtlCol="0" anchor="ctr"/>
+          <a:lstStyle/>
+          <a:p>
+            <a:pPr algn="ctr"/>
             <a:r>
               <a:rPr lang="en-US" altLang="ko-KR" dirty="0" smtClean="0"/>
               <a:t>Hint : </a:t>
@@ -4146,9 +4380,80 @@
   <p:timing>
     <p:tnLst>
       <p:par>
-        <p:cTn id="1" dur="indefinite" restart="never" nodeType="tmRoot"/>
+        <p:cTn id="1" dur="indefinite" restart="never" nodeType="tmRoot">
+          <p:childTnLst>
+            <p:seq concurrent="1" nextAc="seek">
+              <p:cTn id="2" dur="indefinite" nodeType="mainSeq">
+                <p:childTnLst>
+                  <p:par>
+                    <p:cTn id="3" fill="hold">
+                      <p:stCondLst>
+                        <p:cond delay="indefinite"/>
+                      </p:stCondLst>
+                      <p:childTnLst>
+                        <p:par>
+                          <p:cTn id="4" fill="hold">
+                            <p:stCondLst>
+                              <p:cond delay="0"/>
+                            </p:stCondLst>
+                            <p:childTnLst>
+                              <p:par>
+                                <p:cTn id="5" presetID="1" presetClass="entr" presetSubtype="0" fill="hold" grpId="0" nodeType="clickEffect">
+                                  <p:stCondLst>
+                                    <p:cond delay="0"/>
+                                  </p:stCondLst>
+                                  <p:childTnLst>
+                                    <p:set>
+                                      <p:cBhvr>
+                                        <p:cTn id="6" dur="1" fill="hold">
+                                          <p:stCondLst>
+                                            <p:cond delay="0"/>
+                                          </p:stCondLst>
+                                        </p:cTn>
+                                        <p:tgtEl>
+                                          <p:spTgt spid="10"/>
+                                        </p:tgtEl>
+                                        <p:attrNameLst>
+                                          <p:attrName>style.visibility</p:attrName>
+                                        </p:attrNameLst>
+                                      </p:cBhvr>
+                                      <p:to>
+                                        <p:strVal val="visible"/>
+                                      </p:to>
+                                    </p:set>
+                                  </p:childTnLst>
+                                </p:cTn>
+                              </p:par>
+                            </p:childTnLst>
+                          </p:cTn>
+                        </p:par>
+                      </p:childTnLst>
+                    </p:cTn>
+                  </p:par>
+                </p:childTnLst>
+              </p:cTn>
+              <p:prevCondLst>
+                <p:cond evt="onPrev" delay="0">
+                  <p:tgtEl>
+                    <p:sldTgt/>
+                  </p:tgtEl>
+                </p:cond>
+              </p:prevCondLst>
+              <p:nextCondLst>
+                <p:cond evt="onNext" delay="0">
+                  <p:tgtEl>
+                    <p:sldTgt/>
+                  </p:tgtEl>
+                </p:cond>
+              </p:nextCondLst>
+            </p:seq>
+          </p:childTnLst>
+        </p:cTn>
       </p:par>
     </p:tnLst>
+    <p:bldLst>
+      <p:bldP spid="10" grpId="0" animBg="1"/>
+    </p:bldLst>
   </p:timing>
 </p:sld>
 </file>
@@ -4454,13 +4759,13 @@
       </p:pic>
       <p:sp>
         <p:nvSpPr>
-          <p:cNvPr id="2" name="직사각형 1"/>
+          <p:cNvPr id="9" name="직사각형 8"/>
           <p:cNvSpPr/>
           <p:nvPr/>
         </p:nvSpPr>
         <p:spPr>
           <a:xfrm>
-            <a:off x="1115616" y="3167884"/>
+            <a:off x="1043608" y="3140968"/>
             <a:ext cx="3168352" cy="1197220"/>
           </a:xfrm>
           <a:prstGeom prst="rect">
@@ -4488,7 +4793,71 @@
           <a:lstStyle/>
           <a:p>
             <a:pPr algn="ctr"/>
-            <a:endParaRPr lang="ko-KR" altLang="en-US"/>
+            <a:endParaRPr lang="ko-KR" altLang="en-US" dirty="0"/>
+          </a:p>
+        </p:txBody>
+      </p:sp>
+      <p:sp>
+        <p:nvSpPr>
+          <p:cNvPr id="10" name="직사각형 9"/>
+          <p:cNvSpPr/>
+          <p:nvPr/>
+        </p:nvSpPr>
+        <p:spPr>
+          <a:xfrm>
+            <a:off x="1043608" y="3140968"/>
+            <a:ext cx="3168352" cy="1197220"/>
+          </a:xfrm>
+          <a:prstGeom prst="rect">
+            <a:avLst/>
+          </a:prstGeom>
+        </p:spPr>
+        <p:style>
+          <a:lnRef idx="2">
+            <a:schemeClr val="accent1">
+              <a:shade val="50000"/>
+            </a:schemeClr>
+          </a:lnRef>
+          <a:fillRef idx="1">
+            <a:schemeClr val="accent1"/>
+          </a:fillRef>
+          <a:effectRef idx="0">
+            <a:schemeClr val="accent1"/>
+          </a:effectRef>
+          <a:fontRef idx="minor">
+            <a:schemeClr val="lt1"/>
+          </a:fontRef>
+        </p:style>
+        <p:txBody>
+          <a:bodyPr rtlCol="0" anchor="ctr"/>
+          <a:lstStyle/>
+          <a:p>
+            <a:pPr algn="ctr"/>
+            <a:r>
+              <a:rPr lang="en-US" altLang="ko-KR" dirty="0" smtClean="0"/>
+              <a:t>If</a:t>
+            </a:r>
+            <a:r>
+              <a:rPr lang="ko-KR" altLang="en-US" dirty="0" smtClean="0"/>
+              <a:t>문 </a:t>
+            </a:r>
+            <a:r>
+              <a:rPr lang="en-US" altLang="ko-KR" dirty="0" smtClean="0"/>
+              <a:t>-&gt;</a:t>
+            </a:r>
+            <a:r>
+              <a:rPr lang="ko-KR" altLang="en-US" dirty="0" smtClean="0"/>
+              <a:t>짝수</a:t>
+            </a:r>
+            <a:endParaRPr lang="en-US" altLang="ko-KR" dirty="0" smtClean="0"/>
+          </a:p>
+          <a:p>
+            <a:pPr algn="ctr"/>
+            <a:r>
+              <a:rPr lang="en-US" altLang="ko-KR" dirty="0"/>
+              <a:t>-</a:t>
+            </a:r>
+            <a:endParaRPr lang="ko-KR" altLang="en-US" dirty="0"/>
           </a:p>
         </p:txBody>
       </p:sp>
@@ -4505,9 +4874,80 @@
   <p:timing>
     <p:tnLst>
       <p:par>
-        <p:cTn id="1" dur="indefinite" restart="never" nodeType="tmRoot"/>
+        <p:cTn id="1" dur="indefinite" restart="never" nodeType="tmRoot">
+          <p:childTnLst>
+            <p:seq concurrent="1" nextAc="seek">
+              <p:cTn id="2" dur="indefinite" nodeType="mainSeq">
+                <p:childTnLst>
+                  <p:par>
+                    <p:cTn id="3" fill="hold">
+                      <p:stCondLst>
+                        <p:cond delay="indefinite"/>
+                      </p:stCondLst>
+                      <p:childTnLst>
+                        <p:par>
+                          <p:cTn id="4" fill="hold">
+                            <p:stCondLst>
+                              <p:cond delay="0"/>
+                            </p:stCondLst>
+                            <p:childTnLst>
+                              <p:par>
+                                <p:cTn id="5" presetID="1" presetClass="entr" presetSubtype="0" fill="hold" grpId="0" nodeType="clickEffect">
+                                  <p:stCondLst>
+                                    <p:cond delay="0"/>
+                                  </p:stCondLst>
+                                  <p:childTnLst>
+                                    <p:set>
+                                      <p:cBhvr>
+                                        <p:cTn id="6" dur="1" fill="hold">
+                                          <p:stCondLst>
+                                            <p:cond delay="0"/>
+                                          </p:stCondLst>
+                                        </p:cTn>
+                                        <p:tgtEl>
+                                          <p:spTgt spid="10"/>
+                                        </p:tgtEl>
+                                        <p:attrNameLst>
+                                          <p:attrName>style.visibility</p:attrName>
+                                        </p:attrNameLst>
+                                      </p:cBhvr>
+                                      <p:to>
+                                        <p:strVal val="visible"/>
+                                      </p:to>
+                                    </p:set>
+                                  </p:childTnLst>
+                                </p:cTn>
+                              </p:par>
+                            </p:childTnLst>
+                          </p:cTn>
+                        </p:par>
+                      </p:childTnLst>
+                    </p:cTn>
+                  </p:par>
+                </p:childTnLst>
+              </p:cTn>
+              <p:prevCondLst>
+                <p:cond evt="onPrev" delay="0">
+                  <p:tgtEl>
+                    <p:sldTgt/>
+                  </p:tgtEl>
+                </p:cond>
+              </p:prevCondLst>
+              <p:nextCondLst>
+                <p:cond evt="onNext" delay="0">
+                  <p:tgtEl>
+                    <p:sldTgt/>
+                  </p:tgtEl>
+                </p:cond>
+              </p:nextCondLst>
+            </p:seq>
+          </p:childTnLst>
+        </p:cTn>
       </p:par>
     </p:tnLst>
+    <p:bldLst>
+      <p:bldP spid="10" grpId="0" animBg="1"/>
+    </p:bldLst>
   </p:timing>
 </p:sld>
 </file>
@@ -4993,6 +5433,82 @@
           </a:p>
         </p:txBody>
       </p:sp>
+      <p:sp>
+        <p:nvSpPr>
+          <p:cNvPr id="13" name="직사각형 12"/>
+          <p:cNvSpPr/>
+          <p:nvPr/>
+        </p:nvSpPr>
+        <p:spPr>
+          <a:xfrm>
+            <a:off x="467544" y="4118637"/>
+            <a:ext cx="2808312" cy="605681"/>
+          </a:xfrm>
+          <a:prstGeom prst="rect">
+            <a:avLst/>
+          </a:prstGeom>
+        </p:spPr>
+        <p:style>
+          <a:lnRef idx="2">
+            <a:schemeClr val="accent1">
+              <a:shade val="50000"/>
+            </a:schemeClr>
+          </a:lnRef>
+          <a:fillRef idx="1">
+            <a:schemeClr val="accent1"/>
+          </a:fillRef>
+          <a:effectRef idx="0">
+            <a:schemeClr val="accent1"/>
+          </a:effectRef>
+          <a:fontRef idx="minor">
+            <a:schemeClr val="lt1"/>
+          </a:fontRef>
+        </p:style>
+        <p:txBody>
+          <a:bodyPr rtlCol="0" anchor="ctr"/>
+          <a:lstStyle/>
+          <a:p>
+            <a:pPr algn="ctr"/>
+            <a:r>
+              <a:rPr lang="en-US" altLang="ko-KR" dirty="0" smtClean="0"/>
+              <a:t>I</a:t>
+            </a:r>
+            <a:r>
+              <a:rPr lang="ko-KR" altLang="en-US" dirty="0" smtClean="0"/>
+              <a:t>의 값 초기화</a:t>
+            </a:r>
+            <a:endParaRPr lang="en-US" altLang="ko-KR" dirty="0" smtClean="0"/>
+          </a:p>
+          <a:p>
+            <a:pPr algn="ctr"/>
+            <a:r>
+              <a:rPr lang="en-US" altLang="ko-KR" dirty="0" smtClean="0"/>
+              <a:t>Input</a:t>
+            </a:r>
+            <a:r>
+              <a:rPr lang="ko-KR" altLang="en-US" dirty="0" smtClean="0"/>
+              <a:t>과 </a:t>
+            </a:r>
+            <a:r>
+              <a:rPr lang="en-US" altLang="ko-KR" dirty="0" smtClean="0"/>
+              <a:t>i</a:t>
+            </a:r>
+            <a:r>
+              <a:rPr lang="ko-KR" altLang="en-US" dirty="0" smtClean="0"/>
+              <a:t>의 나누어 </a:t>
+            </a:r>
+            <a:r>
+              <a:rPr lang="ko-KR" altLang="en-US" dirty="0" err="1" smtClean="0"/>
+              <a:t>떨어지는수</a:t>
+            </a:r>
+            <a:r>
+              <a:rPr lang="ko-KR" altLang="en-US" dirty="0" smtClean="0"/>
+              <a:t> 반복</a:t>
+            </a:r>
+            <a:endParaRPr lang="ko-KR" altLang="en-US" dirty="0"/>
+          </a:p>
+        </p:txBody>
+      </p:sp>
     </p:spTree>
     <p:extLst>
       <p:ext uri="{BB962C8B-B14F-4D97-AF65-F5344CB8AC3E}">
@@ -5006,9 +5522,80 @@
   <p:timing>
     <p:tnLst>
       <p:par>
-        <p:cTn id="1" dur="indefinite" restart="never" nodeType="tmRoot"/>
+        <p:cTn id="1" dur="indefinite" restart="never" nodeType="tmRoot">
+          <p:childTnLst>
+            <p:seq concurrent="1" nextAc="seek">
+              <p:cTn id="2" dur="indefinite" nodeType="mainSeq">
+                <p:childTnLst>
+                  <p:par>
+                    <p:cTn id="3" fill="hold">
+                      <p:stCondLst>
+                        <p:cond delay="indefinite"/>
+                      </p:stCondLst>
+                      <p:childTnLst>
+                        <p:par>
+                          <p:cTn id="4" fill="hold">
+                            <p:stCondLst>
+                              <p:cond delay="0"/>
+                            </p:stCondLst>
+                            <p:childTnLst>
+                              <p:par>
+                                <p:cTn id="5" presetID="1" presetClass="entr" presetSubtype="0" fill="hold" grpId="0" nodeType="clickEffect">
+                                  <p:stCondLst>
+                                    <p:cond delay="0"/>
+                                  </p:stCondLst>
+                                  <p:childTnLst>
+                                    <p:set>
+                                      <p:cBhvr>
+                                        <p:cTn id="6" dur="1" fill="hold">
+                                          <p:stCondLst>
+                                            <p:cond delay="0"/>
+                                          </p:stCondLst>
+                                        </p:cTn>
+                                        <p:tgtEl>
+                                          <p:spTgt spid="13"/>
+                                        </p:tgtEl>
+                                        <p:attrNameLst>
+                                          <p:attrName>style.visibility</p:attrName>
+                                        </p:attrNameLst>
+                                      </p:cBhvr>
+                                      <p:to>
+                                        <p:strVal val="visible"/>
+                                      </p:to>
+                                    </p:set>
+                                  </p:childTnLst>
+                                </p:cTn>
+                              </p:par>
+                            </p:childTnLst>
+                          </p:cTn>
+                        </p:par>
+                      </p:childTnLst>
+                    </p:cTn>
+                  </p:par>
+                </p:childTnLst>
+              </p:cTn>
+              <p:prevCondLst>
+                <p:cond evt="onPrev" delay="0">
+                  <p:tgtEl>
+                    <p:sldTgt/>
+                  </p:tgtEl>
+                </p:cond>
+              </p:prevCondLst>
+              <p:nextCondLst>
+                <p:cond evt="onNext" delay="0">
+                  <p:tgtEl>
+                    <p:sldTgt/>
+                  </p:tgtEl>
+                </p:cond>
+              </p:nextCondLst>
+            </p:seq>
+          </p:childTnLst>
+        </p:cTn>
       </p:par>
     </p:tnLst>
+    <p:bldLst>
+      <p:bldP spid="13" grpId="0" animBg="1"/>
+    </p:bldLst>
   </p:timing>
 </p:sld>
 </file>
@@ -5702,7 +6289,6 @@
               <a:rPr lang="en-US" altLang="ko-KR" sz="2400" dirty="0" smtClean="0"/>
               <a:t>) {</a:t>
             </a:r>
-            <a:endParaRPr lang="en-US" altLang="ko-KR" sz="2400" dirty="0" smtClean="0"/>
           </a:p>
         </p:txBody>
       </p:sp>
@@ -6575,7 +7161,6 @@
               <a:rPr lang="en-US" altLang="ko-KR" sz="2400" dirty="0" smtClean="0"/>
               <a:t>)</a:t>
             </a:r>
-            <a:endParaRPr lang="en-US" altLang="ko-KR" sz="2400" dirty="0" smtClean="0"/>
           </a:p>
         </p:txBody>
       </p:sp>
@@ -7337,7 +7922,6 @@
               <a:rPr lang="en-US" altLang="ko-KR" sz="2400" dirty="0" smtClean="0"/>
               <a:t>) {</a:t>
             </a:r>
-            <a:endParaRPr lang="en-US" altLang="ko-KR" sz="2400" dirty="0" smtClean="0"/>
           </a:p>
         </p:txBody>
       </p:sp>
@@ -8202,7 +8786,6 @@
               <a:rPr lang="en-US" altLang="ko-KR" sz="2400" dirty="0" smtClean="0"/>
               <a:t>(0)</a:t>
             </a:r>
-            <a:endParaRPr lang="en-US" altLang="ko-KR" sz="2400" dirty="0" smtClean="0"/>
           </a:p>
         </p:txBody>
       </p:sp>
@@ -8802,7 +9385,6 @@
               <a:rPr lang="en-US" altLang="ko-KR" sz="2400" dirty="0" smtClean="0"/>
               <a:t>) {</a:t>
             </a:r>
-            <a:endParaRPr lang="en-US" altLang="ko-KR" sz="2400" dirty="0" smtClean="0"/>
           </a:p>
         </p:txBody>
       </p:sp>
@@ -9520,7 +10102,6 @@
               <a:rPr lang="en-US" altLang="ko-KR" sz="2400" dirty="0" smtClean="0"/>
               <a:t>(0)</a:t>
             </a:r>
-            <a:endParaRPr lang="en-US" altLang="ko-KR" sz="2400" dirty="0" smtClean="0"/>
           </a:p>
         </p:txBody>
       </p:sp>
@@ -9772,7 +10353,6 @@
               <a:rPr lang="en-US" altLang="ko-KR" sz="3200" dirty="0" smtClean="0"/>
               <a:t>.</a:t>
             </a:r>
-            <a:endParaRPr lang="en-US" altLang="ko-KR" sz="3200" dirty="0" smtClean="0"/>
           </a:p>
         </p:txBody>
       </p:sp>
@@ -9910,7 +10490,7 @@
       </p:pic>
       <p:sp>
         <p:nvSpPr>
-          <p:cNvPr id="3" name="직사각형 2"/>
+          <p:cNvPr id="9" name="직사각형 8"/>
           <p:cNvSpPr/>
           <p:nvPr/>
         </p:nvSpPr>
@@ -9944,20 +10524,20 @@
           <a:lstStyle/>
           <a:p>
             <a:pPr algn="ctr"/>
-            <a:endParaRPr lang="ko-KR" altLang="en-US"/>
-          </a:p>
-        </p:txBody>
-      </p:sp>
-      <p:sp>
-        <p:nvSpPr>
-          <p:cNvPr id="7" name="직사각형 6"/>
+            <a:endParaRPr lang="ko-KR" altLang="en-US" dirty="0"/>
+          </a:p>
+        </p:txBody>
+      </p:sp>
+      <p:sp>
+        <p:nvSpPr>
+          <p:cNvPr id="10" name="직사각형 9"/>
           <p:cNvSpPr/>
           <p:nvPr/>
         </p:nvSpPr>
         <p:spPr>
           <a:xfrm>
             <a:off x="1331640" y="3068960"/>
-            <a:ext cx="504056" cy="216024"/>
+            <a:ext cx="1224136" cy="216024"/>
           </a:xfrm>
           <a:prstGeom prst="rect">
             <a:avLst/>
@@ -9984,7 +10564,127 @@
           <a:lstStyle/>
           <a:p>
             <a:pPr algn="ctr"/>
-            <a:endParaRPr lang="ko-KR" altLang="en-US"/>
+            <a:endParaRPr lang="ko-KR" altLang="en-US" dirty="0"/>
+          </a:p>
+        </p:txBody>
+      </p:sp>
+      <p:sp>
+        <p:nvSpPr>
+          <p:cNvPr id="11" name="직사각형 10"/>
+          <p:cNvSpPr/>
+          <p:nvPr/>
+        </p:nvSpPr>
+        <p:spPr>
+          <a:xfrm>
+            <a:off x="971600" y="3284984"/>
+            <a:ext cx="3543273" cy="1080120"/>
+          </a:xfrm>
+          <a:prstGeom prst="rect">
+            <a:avLst/>
+          </a:prstGeom>
+        </p:spPr>
+        <p:style>
+          <a:lnRef idx="2">
+            <a:schemeClr val="accent1">
+              <a:shade val="50000"/>
+            </a:schemeClr>
+          </a:lnRef>
+          <a:fillRef idx="1">
+            <a:schemeClr val="accent1"/>
+          </a:fillRef>
+          <a:effectRef idx="0">
+            <a:schemeClr val="accent1"/>
+          </a:effectRef>
+          <a:fontRef idx="minor">
+            <a:schemeClr val="lt1"/>
+          </a:fontRef>
+        </p:style>
+        <p:txBody>
+          <a:bodyPr rtlCol="0" anchor="ctr"/>
+          <a:lstStyle/>
+          <a:p>
+            <a:pPr algn="ctr"/>
+            <a:r>
+              <a:rPr lang="en-US" altLang="ko-KR" dirty="0" smtClean="0"/>
+              <a:t>Input </a:t>
+            </a:r>
+            <a:r>
+              <a:rPr lang="ko-KR" altLang="en-US" dirty="0" smtClean="0"/>
+              <a:t>입력</a:t>
+            </a:r>
+            <a:endParaRPr lang="en-US" altLang="ko-KR" dirty="0" smtClean="0"/>
+          </a:p>
+          <a:p>
+            <a:pPr algn="ctr"/>
+            <a:r>
+              <a:rPr lang="en-US" altLang="ko-KR" dirty="0" smtClean="0"/>
+              <a:t>Result </a:t>
+            </a:r>
+            <a:r>
+              <a:rPr lang="ko-KR" altLang="en-US" dirty="0" smtClean="0"/>
+              <a:t>값 추가</a:t>
+            </a:r>
+            <a:endParaRPr lang="en-US" altLang="ko-KR" dirty="0" smtClean="0"/>
+          </a:p>
+          <a:p>
+            <a:pPr algn="ctr"/>
+            <a:r>
+              <a:rPr lang="en-US" altLang="ko-KR" dirty="0"/>
+              <a:t>+</a:t>
+            </a:r>
+            <a:r>
+              <a:rPr lang="en-US" altLang="ko-KR" dirty="0" smtClean="0"/>
+              <a:t> </a:t>
+            </a:r>
+            <a:endParaRPr lang="ko-KR" altLang="en-US" dirty="0"/>
+          </a:p>
+        </p:txBody>
+      </p:sp>
+      <p:sp>
+        <p:nvSpPr>
+          <p:cNvPr id="12" name="직사각형 11"/>
+          <p:cNvSpPr/>
+          <p:nvPr/>
+        </p:nvSpPr>
+        <p:spPr>
+          <a:xfrm>
+            <a:off x="1331640" y="3068960"/>
+            <a:ext cx="1224136" cy="216024"/>
+          </a:xfrm>
+          <a:prstGeom prst="rect">
+            <a:avLst/>
+          </a:prstGeom>
+        </p:spPr>
+        <p:style>
+          <a:lnRef idx="2">
+            <a:schemeClr val="accent1">
+              <a:shade val="50000"/>
+            </a:schemeClr>
+          </a:lnRef>
+          <a:fillRef idx="1">
+            <a:schemeClr val="accent1"/>
+          </a:fillRef>
+          <a:effectRef idx="0">
+            <a:schemeClr val="accent1"/>
+          </a:effectRef>
+          <a:fontRef idx="minor">
+            <a:schemeClr val="lt1"/>
+          </a:fontRef>
+        </p:style>
+        <p:txBody>
+          <a:bodyPr rtlCol="0" anchor="ctr"/>
+          <a:lstStyle/>
+          <a:p>
+            <a:pPr algn="ctr"/>
+            <a:r>
+              <a:rPr lang="en-US" altLang="ko-KR" dirty="0" smtClean="0"/>
+              <a:t>3</a:t>
+            </a:r>
+            <a:r>
+              <a:rPr lang="ko-KR" altLang="en-US" dirty="0" err="1" smtClean="0"/>
+              <a:t>회반복</a:t>
+            </a:r>
+            <a:endParaRPr lang="ko-KR" altLang="en-US" dirty="0"/>
           </a:p>
         </p:txBody>
       </p:sp>
@@ -10001,9 +10701,108 @@
   <p:timing>
     <p:tnLst>
       <p:par>
-        <p:cTn id="1" dur="indefinite" restart="never" nodeType="tmRoot"/>
+        <p:cTn id="1" dur="indefinite" restart="never" nodeType="tmRoot">
+          <p:childTnLst>
+            <p:seq concurrent="1" nextAc="seek">
+              <p:cTn id="2" dur="indefinite" nodeType="mainSeq">
+                <p:childTnLst>
+                  <p:par>
+                    <p:cTn id="3" fill="hold">
+                      <p:stCondLst>
+                        <p:cond delay="indefinite"/>
+                      </p:stCondLst>
+                      <p:childTnLst>
+                        <p:par>
+                          <p:cTn id="4" fill="hold">
+                            <p:stCondLst>
+                              <p:cond delay="0"/>
+                            </p:stCondLst>
+                            <p:childTnLst>
+                              <p:par>
+                                <p:cTn id="5" presetID="1" presetClass="entr" presetSubtype="0" fill="hold" grpId="0" nodeType="clickEffect">
+                                  <p:stCondLst>
+                                    <p:cond delay="0"/>
+                                  </p:stCondLst>
+                                  <p:childTnLst>
+                                    <p:set>
+                                      <p:cBhvr>
+                                        <p:cTn id="6" dur="1" fill="hold">
+                                          <p:stCondLst>
+                                            <p:cond delay="0"/>
+                                          </p:stCondLst>
+                                        </p:cTn>
+                                        <p:tgtEl>
+                                          <p:spTgt spid="11"/>
+                                        </p:tgtEl>
+                                        <p:attrNameLst>
+                                          <p:attrName>style.visibility</p:attrName>
+                                        </p:attrNameLst>
+                                      </p:cBhvr>
+                                      <p:to>
+                                        <p:strVal val="visible"/>
+                                      </p:to>
+                                    </p:set>
+                                  </p:childTnLst>
+                                </p:cTn>
+                              </p:par>
+                              <p:par>
+                                <p:cTn id="7" presetID="1" presetClass="entr" presetSubtype="0" fill="hold" grpId="0" nodeType="withEffect">
+                                  <p:stCondLst>
+                                    <p:cond delay="0"/>
+                                  </p:stCondLst>
+                                  <p:childTnLst>
+                                    <p:set>
+                                      <p:cBhvr>
+                                        <p:cTn id="8" dur="1" fill="hold">
+                                          <p:stCondLst>
+                                            <p:cond delay="0"/>
+                                          </p:stCondLst>
+                                        </p:cTn>
+                                        <p:tgtEl>
+                                          <p:spTgt spid="12"/>
+                                        </p:tgtEl>
+                                        <p:attrNameLst>
+                                          <p:attrName>style.visibility</p:attrName>
+                                        </p:attrNameLst>
+                                      </p:cBhvr>
+                                      <p:to>
+                                        <p:strVal val="visible"/>
+                                      </p:to>
+                                    </p:set>
+                                  </p:childTnLst>
+                                </p:cTn>
+                              </p:par>
+                            </p:childTnLst>
+                          </p:cTn>
+                        </p:par>
+                      </p:childTnLst>
+                    </p:cTn>
+                  </p:par>
+                </p:childTnLst>
+              </p:cTn>
+              <p:prevCondLst>
+                <p:cond evt="onPrev" delay="0">
+                  <p:tgtEl>
+                    <p:sldTgt/>
+                  </p:tgtEl>
+                </p:cond>
+              </p:prevCondLst>
+              <p:nextCondLst>
+                <p:cond evt="onNext" delay="0">
+                  <p:tgtEl>
+                    <p:sldTgt/>
+                  </p:tgtEl>
+                </p:cond>
+              </p:nextCondLst>
+            </p:seq>
+          </p:childTnLst>
+        </p:cTn>
       </p:par>
     </p:tnLst>
+    <p:bldLst>
+      <p:bldP spid="11" grpId="0" animBg="1"/>
+      <p:bldP spid="12" grpId="0" animBg="1"/>
+    </p:bldLst>
   </p:timing>
 </p:sld>
 </file>
@@ -10394,7 +11193,6 @@
               <a:rPr lang="en-US" altLang="ko-KR" sz="3200" dirty="0" smtClean="0"/>
               <a:t>.</a:t>
             </a:r>
-            <a:endParaRPr lang="en-US" altLang="ko-KR" sz="3200" dirty="0" smtClean="0"/>
           </a:p>
         </p:txBody>
       </p:sp>

--- a/2019_Mentoring/5_weeks/멘토링_5주차.pptx
+++ b/2019_Mentoring/5_weeks/멘토링_5주차.pptx
@@ -307,7 +307,7 @@
                 </a:solidFill>
               </a:rPr>
               <a:pPr/>
-              <a:t>2019-05-14</a:t>
+              <a:t>2019-05-16</a:t>
             </a:fld>
             <a:endParaRPr lang="ko-KR" altLang="en-US">
               <a:solidFill>
@@ -497,7 +497,7 @@
                 </a:solidFill>
               </a:rPr>
               <a:pPr/>
-              <a:t>2019-05-14</a:t>
+              <a:t>2019-05-16</a:t>
             </a:fld>
             <a:endParaRPr lang="ko-KR" altLang="en-US">
               <a:solidFill>
@@ -697,7 +697,7 @@
                 </a:solidFill>
               </a:rPr>
               <a:pPr/>
-              <a:t>2019-05-14</a:t>
+              <a:t>2019-05-16</a:t>
             </a:fld>
             <a:endParaRPr lang="ko-KR" altLang="en-US">
               <a:solidFill>
@@ -887,7 +887,7 @@
                 </a:solidFill>
               </a:rPr>
               <a:pPr/>
-              <a:t>2019-05-14</a:t>
+              <a:t>2019-05-16</a:t>
             </a:fld>
             <a:endParaRPr lang="ko-KR" altLang="en-US">
               <a:solidFill>
@@ -1175,7 +1175,7 @@
                 </a:solidFill>
               </a:rPr>
               <a:pPr/>
-              <a:t>2019-05-14</a:t>
+              <a:t>2019-05-16</a:t>
             </a:fld>
             <a:endParaRPr lang="ko-KR" altLang="en-US">
               <a:solidFill>
@@ -1427,7 +1427,7 @@
                 </a:solidFill>
               </a:rPr>
               <a:pPr/>
-              <a:t>2019-05-14</a:t>
+              <a:t>2019-05-16</a:t>
             </a:fld>
             <a:endParaRPr lang="ko-KR" altLang="en-US">
               <a:solidFill>
@@ -1806,7 +1806,7 @@
                 </a:solidFill>
               </a:rPr>
               <a:pPr/>
-              <a:t>2019-05-14</a:t>
+              <a:t>2019-05-16</a:t>
             </a:fld>
             <a:endParaRPr lang="ko-KR" altLang="en-US">
               <a:solidFill>
@@ -1967,7 +1967,7 @@
                 </a:solidFill>
               </a:rPr>
               <a:pPr/>
-              <a:t>2019-05-14</a:t>
+              <a:t>2019-05-16</a:t>
             </a:fld>
             <a:endParaRPr lang="ko-KR" altLang="en-US">
               <a:solidFill>
@@ -2082,7 +2082,7 @@
                 </a:solidFill>
               </a:rPr>
               <a:pPr/>
-              <a:t>2019-05-14</a:t>
+              <a:t>2019-05-16</a:t>
             </a:fld>
             <a:endParaRPr lang="ko-KR" altLang="en-US">
               <a:solidFill>
@@ -2459,7 +2459,7 @@
                 </a:solidFill>
               </a:rPr>
               <a:pPr/>
-              <a:t>2019-05-14</a:t>
+              <a:t>2019-05-16</a:t>
             </a:fld>
             <a:endParaRPr lang="ko-KR" altLang="en-US">
               <a:solidFill>
@@ -2824,7 +2824,7 @@
             <a:fld id="{8F35366E-D432-43AC-B21B-98394E46B3B0}" type="datetimeFigureOut">
               <a:rPr lang="ko-KR" altLang="en-US" smtClean="0"/>
               <a:pPr/>
-              <a:t>2019-05-14</a:t>
+              <a:t>2019-05-16</a:t>
             </a:fld>
             <a:endParaRPr lang="ko-KR" altLang="en-US"/>
           </a:p>
@@ -3073,7 +3073,7 @@
                 </a:solidFill>
               </a:rPr>
               <a:pPr/>
-              <a:t>2019-05-14</a:t>
+              <a:t>2019-05-16</a:t>
             </a:fld>
             <a:endParaRPr lang="ko-KR" altLang="en-US">
               <a:solidFill>
@@ -4185,61 +4185,141 @@
       </p:sp>
       <p:pic>
         <p:nvPicPr>
-          <p:cNvPr id="2" name="그림 1"/>
+          <p:cNvPr id="2050" name="Picture 2"/>
           <p:cNvPicPr>
-            <a:picLocks noChangeAspect="1"/>
+            <a:picLocks noChangeAspect="1" noChangeArrowheads="1"/>
           </p:cNvPicPr>
           <p:nvPr/>
         </p:nvPicPr>
         <p:blipFill>
-          <a:blip r:embed="rId2"/>
+          <a:blip r:embed="rId2">
+            <a:extLst>
+              <a:ext uri="{28A0092B-C50C-407E-A947-70E740481C1C}">
+                <a14:useLocalDpi xmlns:a14="http://schemas.microsoft.com/office/drawing/2010/main" val="0"/>
+              </a:ext>
+            </a:extLst>
+          </a:blip>
+          <a:srcRect/>
           <a:stretch>
             <a:fillRect/>
           </a:stretch>
         </p:blipFill>
-        <p:spPr>
+        <p:spPr bwMode="auto">
           <a:xfrm>
-            <a:off x="179512" y="1173159"/>
-            <a:ext cx="4714875" cy="4295775"/>
+            <a:off x="5609139" y="1396698"/>
+            <a:ext cx="3448115" cy="1672262"/>
           </a:xfrm>
           <a:prstGeom prst="rect">
             <a:avLst/>
           </a:prstGeom>
+          <a:noFill/>
+          <a:ln>
+            <a:noFill/>
+          </a:ln>
+          <a:effectLst/>
+          <a:extLst>
+            <a:ext uri="{909E8E84-426E-40DD-AFC4-6F175D3DCCD1}">
+              <a14:hiddenFill xmlns:a14="http://schemas.microsoft.com/office/drawing/2010/main">
+                <a:solidFill>
+                  <a:schemeClr val="accent1"/>
+                </a:solidFill>
+              </a14:hiddenFill>
+            </a:ext>
+            <a:ext uri="{91240B29-F687-4F45-9708-019B960494DF}">
+              <a14:hiddenLine xmlns:a14="http://schemas.microsoft.com/office/drawing/2010/main" w="9525">
+                <a:solidFill>
+                  <a:schemeClr val="tx1"/>
+                </a:solidFill>
+                <a:miter lim="800000"/>
+                <a:headEnd/>
+                <a:tailEnd/>
+              </a14:hiddenLine>
+            </a:ext>
+            <a:ext uri="{AF507438-7753-43E0-B8FC-AC1667EBCBE1}">
+              <a14:hiddenEffects xmlns:a14="http://schemas.microsoft.com/office/drawing/2010/main">
+                <a:effectLst>
+                  <a:outerShdw dist="35921" dir="2700000" algn="ctr" rotWithShape="0">
+                    <a:schemeClr val="bg2"/>
+                  </a:outerShdw>
+                </a:effectLst>
+              </a14:hiddenEffects>
+            </a:ext>
+          </a:extLst>
         </p:spPr>
       </p:pic>
       <p:pic>
         <p:nvPicPr>
-          <p:cNvPr id="3" name="그림 2"/>
+          <p:cNvPr id="2" name="Picture 2"/>
           <p:cNvPicPr>
-            <a:picLocks noChangeAspect="1"/>
+            <a:picLocks noChangeAspect="1" noChangeArrowheads="1"/>
           </p:cNvPicPr>
           <p:nvPr/>
         </p:nvPicPr>
         <p:blipFill>
-          <a:blip r:embed="rId3"/>
+          <a:blip r:embed="rId3">
+            <a:extLst>
+              <a:ext uri="{28A0092B-C50C-407E-A947-70E740481C1C}">
+                <a14:useLocalDpi xmlns:a14="http://schemas.microsoft.com/office/drawing/2010/main" val="0"/>
+              </a:ext>
+            </a:extLst>
+          </a:blip>
+          <a:srcRect/>
           <a:stretch>
             <a:fillRect/>
           </a:stretch>
         </p:blipFill>
-        <p:spPr>
+        <p:spPr bwMode="auto">
           <a:xfrm>
-            <a:off x="5187562" y="1277470"/>
-            <a:ext cx="3711258" cy="2007513"/>
+            <a:off x="298054" y="1396698"/>
+            <a:ext cx="5282058" cy="4572324"/>
           </a:xfrm>
           <a:prstGeom prst="rect">
             <a:avLst/>
           </a:prstGeom>
+          <a:noFill/>
+          <a:ln>
+            <a:noFill/>
+          </a:ln>
+          <a:effectLst/>
+          <a:extLst>
+            <a:ext uri="{909E8E84-426E-40DD-AFC4-6F175D3DCCD1}">
+              <a14:hiddenFill xmlns:a14="http://schemas.microsoft.com/office/drawing/2010/main">
+                <a:solidFill>
+                  <a:schemeClr val="accent1"/>
+                </a:solidFill>
+              </a14:hiddenFill>
+            </a:ext>
+            <a:ext uri="{91240B29-F687-4F45-9708-019B960494DF}">
+              <a14:hiddenLine xmlns:a14="http://schemas.microsoft.com/office/drawing/2010/main" w="9525">
+                <a:solidFill>
+                  <a:schemeClr val="tx1"/>
+                </a:solidFill>
+                <a:miter lim="800000"/>
+                <a:headEnd/>
+                <a:tailEnd/>
+              </a14:hiddenLine>
+            </a:ext>
+            <a:ext uri="{AF507438-7753-43E0-B8FC-AC1667EBCBE1}">
+              <a14:hiddenEffects xmlns:a14="http://schemas.microsoft.com/office/drawing/2010/main">
+                <a:effectLst>
+                  <a:outerShdw dist="35921" dir="2700000" algn="ctr" rotWithShape="0">
+                    <a:schemeClr val="bg2"/>
+                  </a:outerShdw>
+                </a:effectLst>
+              </a14:hiddenEffects>
+            </a:ext>
+          </a:extLst>
         </p:spPr>
       </p:pic>
       <p:sp>
         <p:nvSpPr>
-          <p:cNvPr id="6" name="직사각형 5"/>
+          <p:cNvPr id="10" name="직사각형 9"/>
           <p:cNvSpPr/>
           <p:nvPr/>
         </p:nvSpPr>
         <p:spPr>
           <a:xfrm>
-            <a:off x="827584" y="3501008"/>
+            <a:off x="939751" y="3618629"/>
             <a:ext cx="864096" cy="216024"/>
           </a:xfrm>
           <a:prstGeom prst="rect">
@@ -4273,54 +4353,14 @@
       </p:sp>
       <p:sp>
         <p:nvSpPr>
-          <p:cNvPr id="9" name="직사각형 8"/>
+          <p:cNvPr id="11" name="직사각형 10"/>
           <p:cNvSpPr/>
           <p:nvPr/>
         </p:nvSpPr>
         <p:spPr>
           <a:xfrm>
-            <a:off x="522591" y="4019876"/>
-            <a:ext cx="4386684" cy="469030"/>
-          </a:xfrm>
-          <a:prstGeom prst="rect">
-            <a:avLst/>
-          </a:prstGeom>
-        </p:spPr>
-        <p:style>
-          <a:lnRef idx="2">
-            <a:schemeClr val="accent1">
-              <a:shade val="50000"/>
-            </a:schemeClr>
-          </a:lnRef>
-          <a:fillRef idx="1">
-            <a:schemeClr val="accent1"/>
-          </a:fillRef>
-          <a:effectRef idx="0">
-            <a:schemeClr val="accent1"/>
-          </a:effectRef>
-          <a:fontRef idx="minor">
-            <a:schemeClr val="lt1"/>
-          </a:fontRef>
-        </p:style>
-        <p:txBody>
-          <a:bodyPr rtlCol="0" anchor="ctr"/>
-          <a:lstStyle/>
-          <a:p>
-            <a:pPr algn="ctr"/>
-            <a:endParaRPr lang="ko-KR" altLang="en-US" dirty="0"/>
-          </a:p>
-        </p:txBody>
-      </p:sp>
-      <p:sp>
-        <p:nvSpPr>
-          <p:cNvPr id="10" name="직사각형 9"/>
-          <p:cNvSpPr/>
-          <p:nvPr/>
-        </p:nvSpPr>
-        <p:spPr>
-          <a:xfrm>
-            <a:off x="522591" y="4019876"/>
-            <a:ext cx="4386684" cy="469030"/>
+            <a:off x="579805" y="4869160"/>
+            <a:ext cx="5029333" cy="432048"/>
           </a:xfrm>
           <a:prstGeom prst="rect">
             <a:avLst/>
@@ -4411,7 +4451,7 @@
                                           </p:stCondLst>
                                         </p:cTn>
                                         <p:tgtEl>
-                                          <p:spTgt spid="10"/>
+                                          <p:spTgt spid="11"/>
                                         </p:tgtEl>
                                         <p:attrNameLst>
                                           <p:attrName>style.visibility</p:attrName>
@@ -4452,7 +4492,7 @@
       </p:par>
     </p:tnLst>
     <p:bldLst>
-      <p:bldP spid="10" grpId="0" animBg="1"/>
+      <p:bldP spid="11" grpId="0" animBg="1"/>
     </p:bldLst>
   </p:timing>
 </p:sld>
@@ -4508,26 +4548,66 @@
       </p:sp>
       <p:pic>
         <p:nvPicPr>
-          <p:cNvPr id="3" name="그림 2"/>
+          <p:cNvPr id="1026" name="Picture 2"/>
           <p:cNvPicPr>
-            <a:picLocks noChangeAspect="1"/>
+            <a:picLocks noChangeAspect="1" noChangeArrowheads="1"/>
           </p:cNvPicPr>
           <p:nvPr/>
         </p:nvPicPr>
         <p:blipFill>
-          <a:blip r:embed="rId2"/>
+          <a:blip r:embed="rId2">
+            <a:extLst>
+              <a:ext uri="{28A0092B-C50C-407E-A947-70E740481C1C}">
+                <a14:useLocalDpi xmlns:a14="http://schemas.microsoft.com/office/drawing/2010/main" val="0"/>
+              </a:ext>
+            </a:extLst>
+          </a:blip>
+          <a:srcRect/>
           <a:stretch>
             <a:fillRect/>
           </a:stretch>
         </p:blipFill>
-        <p:spPr>
+        <p:spPr bwMode="auto">
           <a:xfrm>
-            <a:off x="1331640" y="692696"/>
-            <a:ext cx="5688632" cy="5182976"/>
+            <a:off x="1187624" y="980728"/>
+            <a:ext cx="5990431" cy="5185515"/>
           </a:xfrm>
           <a:prstGeom prst="rect">
             <a:avLst/>
           </a:prstGeom>
+          <a:noFill/>
+          <a:ln>
+            <a:noFill/>
+          </a:ln>
+          <a:effectLst/>
+          <a:extLst>
+            <a:ext uri="{909E8E84-426E-40DD-AFC4-6F175D3DCCD1}">
+              <a14:hiddenFill xmlns:a14="http://schemas.microsoft.com/office/drawing/2010/main">
+                <a:solidFill>
+                  <a:schemeClr val="accent1"/>
+                </a:solidFill>
+              </a14:hiddenFill>
+            </a:ext>
+            <a:ext uri="{91240B29-F687-4F45-9708-019B960494DF}">
+              <a14:hiddenLine xmlns:a14="http://schemas.microsoft.com/office/drawing/2010/main" w="9525">
+                <a:solidFill>
+                  <a:schemeClr val="tx1"/>
+                </a:solidFill>
+                <a:miter lim="800000"/>
+                <a:headEnd/>
+                <a:tailEnd/>
+              </a14:hiddenLine>
+            </a:ext>
+            <a:ext uri="{AF507438-7753-43E0-B8FC-AC1667EBCBE1}">
+              <a14:hiddenEffects xmlns:a14="http://schemas.microsoft.com/office/drawing/2010/main">
+                <a:effectLst>
+                  <a:outerShdw dist="35921" dir="2700000" algn="ctr" rotWithShape="0">
+                    <a:schemeClr val="bg2"/>
+                  </a:outerShdw>
+                </a:effectLst>
+              </a14:hiddenEffects>
+            </a:ext>
+          </a:extLst>
         </p:spPr>
       </p:pic>
     </p:spTree>
